--- a/K J JOSEPH JERIN/K J JOSEPH JERIN.pptx
+++ b/K J JOSEPH JERIN/K J JOSEPH JERIN.pptx
@@ -193,7 +193,7 @@
             <a:fld id="{1D8BD707-D9CF-40AE-B4C6-C98DA3205C09}" type="datetimeFigureOut">
               <a:rPr lang="en-US"/>
               <a:pPr/>
-              <a:t>4/22/2024</a:t>
+              <a:t>4/25/2024</a:t>
             </a:fld>
             <a:endParaRPr lang="en-US"/>
           </a:p>
@@ -373,7 +373,7 @@
             <a:fld id="{1D8BD707-D9CF-40AE-B4C6-C98DA3205C09}" type="datetimeFigureOut">
               <a:rPr lang="en-US"/>
               <a:pPr/>
-              <a:t>4/22/2024</a:t>
+              <a:t>4/25/2024</a:t>
             </a:fld>
             <a:endParaRPr lang="en-US"/>
           </a:p>
@@ -590,7 +590,7 @@
             <a:fld id="{1D8BD707-D9CF-40AE-B4C6-C98DA3205C09}" type="datetimeFigureOut">
               <a:rPr lang="en-US"/>
               <a:pPr/>
-              <a:t>4/22/2024</a:t>
+              <a:t>4/25/2024</a:t>
             </a:fld>
             <a:endParaRPr lang="en-US"/>
           </a:p>
@@ -741,7 +741,7 @@
             <a:fld id="{1D8BD707-D9CF-40AE-B4C6-C98DA3205C09}" type="datetimeFigureOut">
               <a:rPr lang="en-US"/>
               <a:pPr/>
-              <a:t>4/22/2024</a:t>
+              <a:t>4/25/2024</a:t>
             </a:fld>
             <a:endParaRPr lang="en-US"/>
           </a:p>
@@ -863,7 +863,7 @@
             <a:fld id="{1D8BD707-D9CF-40AE-B4C6-C98DA3205C09}" type="datetimeFigureOut">
               <a:rPr lang="en-US"/>
               <a:pPr/>
-              <a:t>4/22/2024</a:t>
+              <a:t>4/25/2024</a:t>
             </a:fld>
             <a:endParaRPr lang="en-US"/>
           </a:p>
@@ -1186,7 +1186,7 @@
             <a:fld id="{1D8BD707-D9CF-40AE-B4C6-C98DA3205C09}" type="datetimeFigureOut">
               <a:rPr lang="en-US"/>
               <a:pPr/>
-              <a:t>4/22/2024</a:t>
+              <a:t>4/25/2024</a:t>
             </a:fld>
             <a:endParaRPr lang="en-US"/>
           </a:p>
@@ -2182,8 +2182,8 @@
               <a:rPr lang="en-GB" sz="2400" spc="-20" dirty="0"/>
             </a:br>
             <a:r>
-              <a:rPr lang="en-GB" sz="2400" spc="-20" dirty="0"/>
-              <a:t>On Hero MotoCorp Ltd</a:t>
+              <a:rPr lang="en-GB" sz="2400" spc="-20"/>
+              <a:t>On Noise</a:t>
             </a:r>
             <a:endParaRPr sz="2400" dirty="0"/>
           </a:p>

--- a/K J JOSEPH JERIN/K J JOSEPH JERIN.pptx
+++ b/K J JOSEPH JERIN/K J JOSEPH JERIN.pptx
@@ -193,7 +193,7 @@
             <a:fld id="{1D8BD707-D9CF-40AE-B4C6-C98DA3205C09}" type="datetimeFigureOut">
               <a:rPr lang="en-US"/>
               <a:pPr/>
-              <a:t>4/25/2024</a:t>
+              <a:t>4/29/2024</a:t>
             </a:fld>
             <a:endParaRPr lang="en-US"/>
           </a:p>
@@ -373,7 +373,7 @@
             <a:fld id="{1D8BD707-D9CF-40AE-B4C6-C98DA3205C09}" type="datetimeFigureOut">
               <a:rPr lang="en-US"/>
               <a:pPr/>
-              <a:t>4/25/2024</a:t>
+              <a:t>4/29/2024</a:t>
             </a:fld>
             <a:endParaRPr lang="en-US"/>
           </a:p>
@@ -590,7 +590,7 @@
             <a:fld id="{1D8BD707-D9CF-40AE-B4C6-C98DA3205C09}" type="datetimeFigureOut">
               <a:rPr lang="en-US"/>
               <a:pPr/>
-              <a:t>4/25/2024</a:t>
+              <a:t>4/29/2024</a:t>
             </a:fld>
             <a:endParaRPr lang="en-US"/>
           </a:p>
@@ -741,7 +741,7 @@
             <a:fld id="{1D8BD707-D9CF-40AE-B4C6-C98DA3205C09}" type="datetimeFigureOut">
               <a:rPr lang="en-US"/>
               <a:pPr/>
-              <a:t>4/25/2024</a:t>
+              <a:t>4/29/2024</a:t>
             </a:fld>
             <a:endParaRPr lang="en-US"/>
           </a:p>
@@ -863,7 +863,7 @@
             <a:fld id="{1D8BD707-D9CF-40AE-B4C6-C98DA3205C09}" type="datetimeFigureOut">
               <a:rPr lang="en-US"/>
               <a:pPr/>
-              <a:t>4/25/2024</a:t>
+              <a:t>4/29/2024</a:t>
             </a:fld>
             <a:endParaRPr lang="en-US"/>
           </a:p>
@@ -1186,7 +1186,7 @@
             <a:fld id="{1D8BD707-D9CF-40AE-B4C6-C98DA3205C09}" type="datetimeFigureOut">
               <a:rPr lang="en-US"/>
               <a:pPr/>
-              <a:t>4/25/2024</a:t>
+              <a:t>4/29/2024</a:t>
             </a:fld>
             <a:endParaRPr lang="en-US"/>
           </a:p>
